--- a/figure/figure_2.pptx
+++ b/figure/figure_2.pptx
@@ -254,7 +254,7 @@
           <a:p>
             <a:fld id="{6BA11C42-C779-4649-BE4D-FBC87281CE5B}" type="datetimeFigureOut">
               <a:rPr kumimoji="1" lang="ja-JP" altLang="en-US" smtClean="0"/>
-              <a:t>2021/5/2</a:t>
+              <a:t>2021/7/8</a:t>
             </a:fld>
             <a:endParaRPr kumimoji="1" lang="ja-JP" altLang="en-US"/>
           </a:p>
@@ -456,7 +456,7 @@
           <a:p>
             <a:fld id="{6BA11C42-C779-4649-BE4D-FBC87281CE5B}" type="datetimeFigureOut">
               <a:rPr kumimoji="1" lang="ja-JP" altLang="en-US" smtClean="0"/>
-              <a:t>2021/5/2</a:t>
+              <a:t>2021/7/8</a:t>
             </a:fld>
             <a:endParaRPr kumimoji="1" lang="ja-JP" altLang="en-US"/>
           </a:p>
@@ -668,7 +668,7 @@
           <a:p>
             <a:fld id="{6BA11C42-C779-4649-BE4D-FBC87281CE5B}" type="datetimeFigureOut">
               <a:rPr kumimoji="1" lang="ja-JP" altLang="en-US" smtClean="0"/>
-              <a:t>2021/5/2</a:t>
+              <a:t>2021/7/8</a:t>
             </a:fld>
             <a:endParaRPr kumimoji="1" lang="ja-JP" altLang="en-US"/>
           </a:p>
@@ -870,7 +870,7 @@
           <a:p>
             <a:fld id="{6BA11C42-C779-4649-BE4D-FBC87281CE5B}" type="datetimeFigureOut">
               <a:rPr kumimoji="1" lang="ja-JP" altLang="en-US" smtClean="0"/>
-              <a:t>2021/5/2</a:t>
+              <a:t>2021/7/8</a:t>
             </a:fld>
             <a:endParaRPr kumimoji="1" lang="ja-JP" altLang="en-US"/>
           </a:p>
@@ -1116,7 +1116,7 @@
           <a:p>
             <a:fld id="{6BA11C42-C779-4649-BE4D-FBC87281CE5B}" type="datetimeFigureOut">
               <a:rPr kumimoji="1" lang="ja-JP" altLang="en-US" smtClean="0"/>
-              <a:t>2021/5/2</a:t>
+              <a:t>2021/7/8</a:t>
             </a:fld>
             <a:endParaRPr kumimoji="1" lang="ja-JP" altLang="en-US"/>
           </a:p>
@@ -1412,7 +1412,7 @@
           <a:p>
             <a:fld id="{6BA11C42-C779-4649-BE4D-FBC87281CE5B}" type="datetimeFigureOut">
               <a:rPr kumimoji="1" lang="ja-JP" altLang="en-US" smtClean="0"/>
-              <a:t>2021/5/2</a:t>
+              <a:t>2021/7/8</a:t>
             </a:fld>
             <a:endParaRPr kumimoji="1" lang="ja-JP" altLang="en-US"/>
           </a:p>
@@ -1843,7 +1843,7 @@
           <a:p>
             <a:fld id="{6BA11C42-C779-4649-BE4D-FBC87281CE5B}" type="datetimeFigureOut">
               <a:rPr kumimoji="1" lang="ja-JP" altLang="en-US" smtClean="0"/>
-              <a:t>2021/5/2</a:t>
+              <a:t>2021/7/8</a:t>
             </a:fld>
             <a:endParaRPr kumimoji="1" lang="ja-JP" altLang="en-US"/>
           </a:p>
@@ -1961,7 +1961,7 @@
           <a:p>
             <a:fld id="{6BA11C42-C779-4649-BE4D-FBC87281CE5B}" type="datetimeFigureOut">
               <a:rPr kumimoji="1" lang="ja-JP" altLang="en-US" smtClean="0"/>
-              <a:t>2021/5/2</a:t>
+              <a:t>2021/7/8</a:t>
             </a:fld>
             <a:endParaRPr kumimoji="1" lang="ja-JP" altLang="en-US"/>
           </a:p>
@@ -2056,7 +2056,7 @@
           <a:p>
             <a:fld id="{6BA11C42-C779-4649-BE4D-FBC87281CE5B}" type="datetimeFigureOut">
               <a:rPr kumimoji="1" lang="ja-JP" altLang="en-US" smtClean="0"/>
-              <a:t>2021/5/2</a:t>
+              <a:t>2021/7/8</a:t>
             </a:fld>
             <a:endParaRPr kumimoji="1" lang="ja-JP" altLang="en-US"/>
           </a:p>
@@ -2365,7 +2365,7 @@
           <a:p>
             <a:fld id="{6BA11C42-C779-4649-BE4D-FBC87281CE5B}" type="datetimeFigureOut">
               <a:rPr kumimoji="1" lang="ja-JP" altLang="en-US" smtClean="0"/>
-              <a:t>2021/5/2</a:t>
+              <a:t>2021/7/8</a:t>
             </a:fld>
             <a:endParaRPr kumimoji="1" lang="ja-JP" altLang="en-US"/>
           </a:p>
@@ -2622,7 +2622,7 @@
           <a:p>
             <a:fld id="{6BA11C42-C779-4649-BE4D-FBC87281CE5B}" type="datetimeFigureOut">
               <a:rPr kumimoji="1" lang="ja-JP" altLang="en-US" smtClean="0"/>
-              <a:t>2021/5/2</a:t>
+              <a:t>2021/7/8</a:t>
             </a:fld>
             <a:endParaRPr kumimoji="1" lang="ja-JP" altLang="en-US"/>
           </a:p>
@@ -2867,7 +2867,7 @@
           <a:p>
             <a:fld id="{6BA11C42-C779-4649-BE4D-FBC87281CE5B}" type="datetimeFigureOut">
               <a:rPr kumimoji="1" lang="ja-JP" altLang="en-US" smtClean="0"/>
-              <a:t>2021/5/2</a:t>
+              <a:t>2021/7/8</a:t>
             </a:fld>
             <a:endParaRPr kumimoji="1" lang="ja-JP" altLang="en-US"/>
           </a:p>
@@ -3274,10 +3274,10 @@
       </p:grpSpPr>
       <p:pic>
         <p:nvPicPr>
-          <p:cNvPr id="7" name="図 6">
+          <p:cNvPr id="6" name="図 5">
             <a:extLst>
               <a:ext uri="{FF2B5EF4-FFF2-40B4-BE49-F238E27FC236}">
-                <a16:creationId xmlns:a16="http://schemas.microsoft.com/office/drawing/2014/main" id="{E084EA5E-76D7-0448-85DD-584055D504F4}"/>
+                <a16:creationId xmlns:a16="http://schemas.microsoft.com/office/drawing/2014/main" id="{F204874D-152C-C848-92A8-AA62F5AD31E8}"/>
               </a:ext>
             </a:extLst>
           </p:cNvPr>
